--- a/Project Deliverables/CS 25- Poster.pptx
+++ b/Project Deliverables/CS 25- Poster.pptx
@@ -262,7 +262,7 @@
           <a:p>
             <a:fld id="{C764DE79-268F-4C1A-8933-263129D2AF90}" type="datetimeFigureOut">
               <a:rPr lang="en-US" dirty="0"/>
-              <a:t>11/14/2024</a:t>
+              <a:t>11/15/2024</a:t>
             </a:fld>
             <a:endParaRPr lang="en-US" dirty="0"/>
           </a:p>
@@ -432,7 +432,7 @@
           <a:p>
             <a:fld id="{C764DE79-268F-4C1A-8933-263129D2AF90}" type="datetimeFigureOut">
               <a:rPr lang="en-US" dirty="0"/>
-              <a:t>11/14/2024</a:t>
+              <a:t>11/15/2024</a:t>
             </a:fld>
             <a:endParaRPr lang="en-US" dirty="0"/>
           </a:p>
@@ -612,7 +612,7 @@
           <a:p>
             <a:fld id="{C764DE79-268F-4C1A-8933-263129D2AF90}" type="datetimeFigureOut">
               <a:rPr lang="en-US" dirty="0"/>
-              <a:t>11/14/2024</a:t>
+              <a:t>11/15/2024</a:t>
             </a:fld>
             <a:endParaRPr lang="en-US" dirty="0"/>
           </a:p>
@@ -872,7 +872,7 @@
           <a:p>
             <a:fld id="{C764DE79-268F-4C1A-8933-263129D2AF90}" type="datetimeFigureOut">
               <a:rPr lang="en-US" dirty="0"/>
-              <a:t>11/14/2024</a:t>
+              <a:t>11/15/2024</a:t>
             </a:fld>
             <a:endParaRPr lang="en-US" dirty="0"/>
           </a:p>
@@ -1116,7 +1116,7 @@
           <a:p>
             <a:fld id="{C764DE79-268F-4C1A-8933-263129D2AF90}" type="datetimeFigureOut">
               <a:rPr lang="en-US" dirty="0"/>
-              <a:t>11/14/2024</a:t>
+              <a:t>11/15/2024</a:t>
             </a:fld>
             <a:endParaRPr lang="en-US" dirty="0"/>
           </a:p>
@@ -1348,7 +1348,7 @@
           <a:p>
             <a:fld id="{C764DE79-268F-4C1A-8933-263129D2AF90}" type="datetimeFigureOut">
               <a:rPr lang="en-US" dirty="0"/>
-              <a:t>11/14/2024</a:t>
+              <a:t>11/15/2024</a:t>
             </a:fld>
             <a:endParaRPr lang="en-US" dirty="0"/>
           </a:p>
@@ -1715,7 +1715,7 @@
           <a:p>
             <a:fld id="{C764DE79-268F-4C1A-8933-263129D2AF90}" type="datetimeFigureOut">
               <a:rPr lang="en-US" dirty="0"/>
-              <a:t>11/14/2024</a:t>
+              <a:t>11/15/2024</a:t>
             </a:fld>
             <a:endParaRPr lang="en-US" dirty="0"/>
           </a:p>
@@ -1833,7 +1833,7 @@
           <a:p>
             <a:fld id="{C764DE79-268F-4C1A-8933-263129D2AF90}" type="datetimeFigureOut">
               <a:rPr lang="en-US" dirty="0"/>
-              <a:t>11/14/2024</a:t>
+              <a:t>11/15/2024</a:t>
             </a:fld>
             <a:endParaRPr lang="en-US" dirty="0"/>
           </a:p>
@@ -1928,7 +1928,7 @@
           <a:p>
             <a:fld id="{C764DE79-268F-4C1A-8933-263129D2AF90}" type="datetimeFigureOut">
               <a:rPr lang="en-US" dirty="0"/>
-              <a:t>11/14/2024</a:t>
+              <a:t>11/15/2024</a:t>
             </a:fld>
             <a:endParaRPr lang="en-US" dirty="0"/>
           </a:p>
@@ -2205,7 +2205,7 @@
           <a:p>
             <a:fld id="{C764DE79-268F-4C1A-8933-263129D2AF90}" type="datetimeFigureOut">
               <a:rPr lang="en-US" dirty="0"/>
-              <a:t>11/14/2024</a:t>
+              <a:t>11/15/2024</a:t>
             </a:fld>
             <a:endParaRPr lang="en-US" dirty="0"/>
           </a:p>
@@ -2462,7 +2462,7 @@
           <a:p>
             <a:fld id="{C764DE79-268F-4C1A-8933-263129D2AF90}" type="datetimeFigureOut">
               <a:rPr lang="en-US" dirty="0"/>
-              <a:t>11/14/2024</a:t>
+              <a:t>11/15/2024</a:t>
             </a:fld>
             <a:endParaRPr lang="en-US" dirty="0"/>
           </a:p>
@@ -2675,7 +2675,7 @@
           <a:p>
             <a:fld id="{C764DE79-268F-4C1A-8933-263129D2AF90}" type="datetimeFigureOut">
               <a:rPr lang="en-US" dirty="0"/>
-              <a:t>11/14/2024</a:t>
+              <a:t>11/15/2024</a:t>
             </a:fld>
             <a:endParaRPr lang="en-US" dirty="0"/>
           </a:p>
@@ -3157,7 +3157,7 @@
         </p:nvSpPr>
         <p:spPr>
           <a:xfrm>
-            <a:off x="309212" y="22914276"/>
+            <a:off x="448879" y="22946617"/>
             <a:ext cx="12934767" cy="6771084"/>
           </a:xfrm>
           <a:prstGeom prst="roundRect">
@@ -3206,7 +3206,7 @@
         </p:nvSpPr>
         <p:spPr>
           <a:xfrm>
-            <a:off x="13290623" y="7128910"/>
+            <a:off x="13486315" y="7128910"/>
             <a:ext cx="14163862" cy="7768926"/>
           </a:xfrm>
           <a:prstGeom prst="roundRect">
@@ -3257,7 +3257,7 @@
         <p:spPr>
           <a:xfrm>
             <a:off x="269395" y="6889744"/>
-            <a:ext cx="12563876" cy="15444660"/>
+            <a:ext cx="12890398" cy="15444660"/>
           </a:xfrm>
           <a:prstGeom prst="roundRect">
             <a:avLst/>
@@ -3747,44 +3747,6 @@
       </p:sp>
       <p:sp>
         <p:nvSpPr>
-          <p:cNvPr id="10" name="TextBox 9">
-            <a:extLst>
-              <a:ext uri="{FF2B5EF4-FFF2-40B4-BE49-F238E27FC236}">
-                <a16:creationId xmlns:a16="http://schemas.microsoft.com/office/drawing/2014/main" id="{BED948D8-EA37-90EE-B399-E4BA158A9A83}"/>
-              </a:ext>
-            </a:extLst>
-          </p:cNvPr>
-          <p:cNvSpPr txBox="1"/>
-          <p:nvPr/>
-        </p:nvSpPr>
-        <p:spPr>
-          <a:xfrm>
-            <a:off x="1324286" y="7469616"/>
-            <a:ext cx="10904621" cy="4247317"/>
-          </a:xfrm>
-          <a:prstGeom prst="rect">
-            <a:avLst/>
-          </a:prstGeom>
-          <a:noFill/>
-        </p:spPr>
-        <p:txBody>
-          <a:bodyPr wrap="square" rtlCol="0">
-            <a:spAutoFit/>
-          </a:bodyPr>
-          <a:lstStyle/>
-          <a:p>
-            <a:r>
-              <a:rPr lang="en-US" sz="5400" dirty="0"/>
-              <a:t>Problem: Traditional IDS struggle with zero-day attacks and high false-positive rates in evolving network environments.</a:t>
-            </a:r>
-          </a:p>
-          <a:p>
-            <a:endParaRPr lang="en-US" sz="5400" dirty="0"/>
-          </a:p>
-        </p:txBody>
-      </p:sp>
-      <p:sp>
-        <p:nvSpPr>
           <p:cNvPr id="16" name="TextBox 15">
             <a:extLst>
               <a:ext uri="{FF2B5EF4-FFF2-40B4-BE49-F238E27FC236}">
@@ -3797,8 +3759,8 @@
         </p:nvSpPr>
         <p:spPr>
           <a:xfrm>
-            <a:off x="1202528" y="10952655"/>
-            <a:ext cx="10870532" cy="10895290"/>
+            <a:off x="595917" y="8032791"/>
+            <a:ext cx="12563876" cy="13388280"/>
           </a:xfrm>
           <a:prstGeom prst="rect">
             <a:avLst/>
@@ -3812,8 +3774,25 @@
           <a:lstStyle/>
           <a:p>
             <a:r>
+              <a:rPr lang="en-US" sz="5400" b="1" dirty="0"/>
+              <a:t>Problem:</a:t>
+            </a:r>
+            <a:r>
               <a:rPr lang="en-US" sz="5400" dirty="0"/>
-              <a:t> By using Naive Bayes hybrid with Decision Trees anomaly-based intrusion detection system prioritize high detection accuracy by minimizing false positives and negatives, while also ensuring scalability to handle the large data volumes typical of 5G networks. The system will be adaptable to zero-day attacks, using machine learning to detect unknown threats, and robust against evasion techniques like traffic encryption and obfuscation.</a:t>
+              <a:t> Traditional IDS face challenges with zero-day attacks and high false-positive rates in dynamic network environments.</a:t>
+            </a:r>
+          </a:p>
+          <a:p>
+            <a:endParaRPr lang="en-US" sz="5400" b="1" dirty="0"/>
+          </a:p>
+          <a:p>
+            <a:r>
+              <a:rPr lang="en-US" sz="5400" b="1" dirty="0"/>
+              <a:t>Solution:</a:t>
+            </a:r>
+            <a:r>
+              <a:rPr lang="en-US" sz="5400" dirty="0"/>
+              <a:t> Our anomaly-based IDS leverages a hybrid approach combining Naive Bayes and Decision Trees to differentiate normal and malicious traffic based on unique underlying features. This method improves detection accuracy, reduces false positives, and scales efficiently for 5G data volumes. The system is designed to adapt to evolving threats, enhancing its capability to detect zero-day attacks and counter evasive techniques such as traffic encryption and obfuscation.</a:t>
             </a:r>
           </a:p>
         </p:txBody>
@@ -4003,7 +3982,7 @@
         </p:blipFill>
         <p:spPr>
           <a:xfrm>
-            <a:off x="14293516" y="23862347"/>
+            <a:off x="14746398" y="23665040"/>
             <a:ext cx="11430000" cy="5505450"/>
           </a:xfrm>
           <a:prstGeom prst="rect">
